--- a/FInal_Project_Faming_Template.pptx
+++ b/FInal_Project_Faming_Template.pptx
@@ -11,6 +11,7 @@
     <p:sldId id="259" r:id="rId5"/>
     <p:sldId id="261" r:id="rId6"/>
     <p:sldId id="260" r:id="rId7"/>
+    <p:sldId id="262" r:id="rId8"/>
   </p:sldIdLst>
   <p:sldSz cx="12192000" cy="6858000"/>
   <p:notesSz cx="6858000" cy="9144000"/>
@@ -302,7 +303,7 @@
           <a:p>
             <a:fld id="{5A11CC1C-E4D1-4E15-90A8-C95BF9B87F70}" type="datetimeFigureOut">
               <a:rPr lang="en-US" smtClean="0"/>
-              <a:t>12/18/2025</a:t>
+              <a:t>12/19/2025</a:t>
             </a:fld>
             <a:endParaRPr lang="en-US"/>
           </a:p>
@@ -537,7 +538,7 @@
           <a:p>
             <a:fld id="{5A11CC1C-E4D1-4E15-90A8-C95BF9B87F70}" type="datetimeFigureOut">
               <a:rPr lang="en-US" smtClean="0"/>
-              <a:t>12/18/2025</a:t>
+              <a:t>12/19/2025</a:t>
             </a:fld>
             <a:endParaRPr lang="en-US"/>
           </a:p>
@@ -745,7 +746,7 @@
           <a:p>
             <a:fld id="{5A11CC1C-E4D1-4E15-90A8-C95BF9B87F70}" type="datetimeFigureOut">
               <a:rPr lang="en-US" smtClean="0"/>
-              <a:t>12/18/2025</a:t>
+              <a:t>12/19/2025</a:t>
             </a:fld>
             <a:endParaRPr lang="en-US"/>
           </a:p>
@@ -951,7 +952,7 @@
           <a:p>
             <a:fld id="{5A11CC1C-E4D1-4E15-90A8-C95BF9B87F70}" type="datetimeFigureOut">
               <a:rPr lang="en-US" smtClean="0"/>
-              <a:t>12/18/2025</a:t>
+              <a:t>12/19/2025</a:t>
             </a:fld>
             <a:endParaRPr lang="en-US"/>
           </a:p>
@@ -1262,7 +1263,7 @@
           <a:p>
             <a:fld id="{5A11CC1C-E4D1-4E15-90A8-C95BF9B87F70}" type="datetimeFigureOut">
               <a:rPr lang="en-US" smtClean="0"/>
-              <a:t>12/18/2025</a:t>
+              <a:t>12/19/2025</a:t>
             </a:fld>
             <a:endParaRPr lang="en-US"/>
           </a:p>
@@ -1527,7 +1528,7 @@
           <a:p>
             <a:fld id="{5A11CC1C-E4D1-4E15-90A8-C95BF9B87F70}" type="datetimeFigureOut">
               <a:rPr lang="en-US" smtClean="0"/>
-              <a:t>12/18/2025</a:t>
+              <a:t>12/19/2025</a:t>
             </a:fld>
             <a:endParaRPr lang="en-US"/>
           </a:p>
@@ -1939,7 +1940,7 @@
           <a:p>
             <a:fld id="{5A11CC1C-E4D1-4E15-90A8-C95BF9B87F70}" type="datetimeFigureOut">
               <a:rPr lang="en-US" smtClean="0"/>
-              <a:t>12/18/2025</a:t>
+              <a:t>12/19/2025</a:t>
             </a:fld>
             <a:endParaRPr lang="en-US"/>
           </a:p>
@@ -2085,7 +2086,7 @@
           <a:p>
             <a:fld id="{5A11CC1C-E4D1-4E15-90A8-C95BF9B87F70}" type="datetimeFigureOut">
               <a:rPr lang="en-US" smtClean="0"/>
-              <a:t>12/18/2025</a:t>
+              <a:t>12/19/2025</a:t>
             </a:fld>
             <a:endParaRPr lang="en-US"/>
           </a:p>
@@ -2198,7 +2199,7 @@
           <a:p>
             <a:fld id="{5A11CC1C-E4D1-4E15-90A8-C95BF9B87F70}" type="datetimeFigureOut">
               <a:rPr lang="en-US" smtClean="0"/>
-              <a:t>12/18/2025</a:t>
+              <a:t>12/19/2025</a:t>
             </a:fld>
             <a:endParaRPr lang="en-US"/>
           </a:p>
@@ -2509,7 +2510,7 @@
           <a:p>
             <a:fld id="{5A11CC1C-E4D1-4E15-90A8-C95BF9B87F70}" type="datetimeFigureOut">
               <a:rPr lang="en-US" smtClean="0"/>
-              <a:t>12/18/2025</a:t>
+              <a:t>12/19/2025</a:t>
             </a:fld>
             <a:endParaRPr lang="en-US"/>
           </a:p>
@@ -2800,7 +2801,7 @@
           <a:p>
             <a:fld id="{5A11CC1C-E4D1-4E15-90A8-C95BF9B87F70}" type="datetimeFigureOut">
               <a:rPr lang="en-US" smtClean="0"/>
-              <a:t>12/18/2025</a:t>
+              <a:t>12/19/2025</a:t>
             </a:fld>
             <a:endParaRPr lang="en-US"/>
           </a:p>
@@ -3041,7 +3042,7 @@
           <a:p>
             <a:fld id="{5A11CC1C-E4D1-4E15-90A8-C95BF9B87F70}" type="datetimeFigureOut">
               <a:rPr lang="en-US" smtClean="0"/>
-              <a:t>12/18/2025</a:t>
+              <a:t>12/19/2025</a:t>
             </a:fld>
             <a:endParaRPr lang="en-US"/>
           </a:p>
@@ -4412,39 +4413,6 @@
           </a:p>
         </p:txBody>
       </p:sp>
-      <p:pic>
-        <p:nvPicPr>
-          <p:cNvPr id="37" name="Google Shape;139;p26">
-            <a:extLst>
-              <a:ext uri="{FF2B5EF4-FFF2-40B4-BE49-F238E27FC236}">
-                <a16:creationId xmlns:a16="http://schemas.microsoft.com/office/drawing/2014/main" id="{B9D37766-E66F-4991-B723-26BE9C9BC1A3}"/>
-              </a:ext>
-            </a:extLst>
-          </p:cNvPr>
-          <p:cNvPicPr preferRelativeResize="0"/>
-          <p:nvPr/>
-        </p:nvPicPr>
-        <p:blipFill rotWithShape="1">
-          <a:blip r:embed="rId2">
-            <a:alphaModFix/>
-          </a:blip>
-          <a:srcRect l="20430" t="5231" r="20211" b="22706"/>
-          <a:stretch/>
-        </p:blipFill>
-        <p:spPr>
-          <a:xfrm>
-            <a:off x="6160925" y="972725"/>
-            <a:ext cx="1846575" cy="2988902"/>
-          </a:xfrm>
-          <a:prstGeom prst="rect">
-            <a:avLst/>
-          </a:prstGeom>
-          <a:noFill/>
-          <a:ln>
-            <a:noFill/>
-          </a:ln>
-        </p:spPr>
-      </p:pic>
       <p:sp>
         <p:nvSpPr>
           <p:cNvPr id="8" name="Rectangle 5">
@@ -4552,7 +4520,7 @@
           <p:nvPr/>
         </p:nvPicPr>
         <p:blipFill>
-          <a:blip r:embed="rId3"/>
+          <a:blip r:embed="rId2"/>
           <a:stretch>
             <a:fillRect/>
           </a:stretch>
@@ -4582,6 +4550,36 @@
           <p:nvPr/>
         </p:nvPicPr>
         <p:blipFill>
+          <a:blip r:embed="rId3"/>
+          <a:stretch>
+            <a:fillRect/>
+          </a:stretch>
+        </p:blipFill>
+        <p:spPr>
+          <a:xfrm>
+            <a:off x="8850988" y="2428275"/>
+            <a:ext cx="2762415" cy="1346212"/>
+          </a:xfrm>
+          <a:prstGeom prst="rect">
+            <a:avLst/>
+          </a:prstGeom>
+        </p:spPr>
+      </p:pic>
+      <p:pic>
+        <p:nvPicPr>
+          <p:cNvPr id="4" name="Picture 3">
+            <a:extLst>
+              <a:ext uri="{FF2B5EF4-FFF2-40B4-BE49-F238E27FC236}">
+                <a16:creationId xmlns:a16="http://schemas.microsoft.com/office/drawing/2014/main" id="{F180D387-7382-BFBF-590E-A3D0D8FD7E8C}"/>
+              </a:ext>
+            </a:extLst>
+          </p:cNvPr>
+          <p:cNvPicPr>
+            <a:picLocks noChangeAspect="1"/>
+          </p:cNvPicPr>
+          <p:nvPr/>
+        </p:nvPicPr>
+        <p:blipFill>
           <a:blip r:embed="rId4"/>
           <a:stretch>
             <a:fillRect/>
@@ -4589,8 +4587,8 @@
         </p:blipFill>
         <p:spPr>
           <a:xfrm>
-            <a:off x="4749282" y="746390"/>
-            <a:ext cx="6828768" cy="3327874"/>
+            <a:off x="4603992" y="838058"/>
+            <a:ext cx="4346272" cy="3333396"/>
           </a:xfrm>
           <a:prstGeom prst="rect">
             <a:avLst/>
@@ -5171,6 +5169,162 @@
     <p:extLst>
       <p:ext uri="{BB962C8B-B14F-4D97-AF65-F5344CB8AC3E}">
         <p14:creationId xmlns:p14="http://schemas.microsoft.com/office/powerpoint/2010/main" val="2127009124"/>
+      </p:ext>
+    </p:extLst>
+  </p:cSld>
+  <p:clrMapOvr>
+    <a:masterClrMapping/>
+  </p:clrMapOvr>
+</p:sld>
+</file>
+
+<file path=ppt/slides/slide7.xml><?xml version="1.0" encoding="utf-8"?>
+<p:sld xmlns:a="http://schemas.openxmlformats.org/drawingml/2006/main" xmlns:r="http://schemas.openxmlformats.org/officeDocument/2006/relationships" xmlns:p="http://schemas.openxmlformats.org/presentationml/2006/main">
+  <p:cSld>
+    <p:spTree>
+      <p:nvGrpSpPr>
+        <p:cNvPr id="1" name=""/>
+        <p:cNvGrpSpPr/>
+        <p:nvPr/>
+      </p:nvGrpSpPr>
+      <p:grpSpPr>
+        <a:xfrm>
+          <a:off x="0" y="0"/>
+          <a:ext cx="0" cy="0"/>
+          <a:chOff x="0" y="0"/>
+          <a:chExt cx="0" cy="0"/>
+        </a:xfrm>
+      </p:grpSpPr>
+      <p:sp>
+        <p:nvSpPr>
+          <p:cNvPr id="4" name="Rectangle 3">
+            <a:extLst>
+              <a:ext uri="{FF2B5EF4-FFF2-40B4-BE49-F238E27FC236}">
+                <a16:creationId xmlns:a16="http://schemas.microsoft.com/office/drawing/2014/main" id="{819760E7-2B22-7B3F-A9A9-D88A175048CE}"/>
+              </a:ext>
+            </a:extLst>
+          </p:cNvPr>
+          <p:cNvSpPr/>
+          <p:nvPr/>
+        </p:nvSpPr>
+        <p:spPr>
+          <a:xfrm>
+            <a:off x="181155" y="449850"/>
+            <a:ext cx="11641667" cy="6146801"/>
+          </a:xfrm>
+          <a:prstGeom prst="rect">
+            <a:avLst/>
+          </a:prstGeom>
+        </p:spPr>
+        <p:style>
+          <a:lnRef idx="2">
+            <a:schemeClr val="accent6"/>
+          </a:lnRef>
+          <a:fillRef idx="1">
+            <a:schemeClr val="lt1"/>
+          </a:fillRef>
+          <a:effectRef idx="0">
+            <a:schemeClr val="accent6"/>
+          </a:effectRef>
+          <a:fontRef idx="minor">
+            <a:schemeClr val="dk1"/>
+          </a:fontRef>
+        </p:style>
+        <p:txBody>
+          <a:bodyPr rtlCol="0" anchor="ctr"/>
+          <a:lstStyle/>
+          <a:p>
+            <a:r>
+              <a:rPr lang="en-US" sz="2400" dirty="0">
+                <a:latin typeface="Times New Roman" panose="02020603050405020304" pitchFamily="18" charset="0"/>
+                <a:cs typeface="Times New Roman" panose="02020603050405020304" pitchFamily="18" charset="0"/>
+              </a:rPr>
+              <a:t>				All Links</a:t>
+            </a:r>
+          </a:p>
+          <a:p>
+            <a:endParaRPr lang="en-US" sz="2400" dirty="0">
+              <a:latin typeface="Times New Roman" panose="02020603050405020304" pitchFamily="18" charset="0"/>
+              <a:cs typeface="Times New Roman" panose="02020603050405020304" pitchFamily="18" charset="0"/>
+            </a:endParaRPr>
+          </a:p>
+          <a:p>
+            <a:r>
+              <a:rPr lang="en-US" sz="2400" dirty="0">
+                <a:latin typeface="Times New Roman" panose="02020603050405020304" pitchFamily="18" charset="0"/>
+                <a:cs typeface="Times New Roman" panose="02020603050405020304" pitchFamily="18" charset="0"/>
+              </a:rPr>
+              <a:t>Video link: https://youtu.be/Q98uAjDd9WY</a:t>
+            </a:r>
+            <a:br>
+              <a:rPr lang="en-US" sz="2400" dirty="0">
+                <a:latin typeface="Times New Roman" panose="02020603050405020304" pitchFamily="18" charset="0"/>
+                <a:cs typeface="Times New Roman" panose="02020603050405020304" pitchFamily="18" charset="0"/>
+              </a:rPr>
+            </a:br>
+            <a:br>
+              <a:rPr lang="en-US" sz="2400" dirty="0">
+                <a:latin typeface="Times New Roman" panose="02020603050405020304" pitchFamily="18" charset="0"/>
+                <a:cs typeface="Times New Roman" panose="02020603050405020304" pitchFamily="18" charset="0"/>
+              </a:rPr>
+            </a:br>
+            <a:r>
+              <a:rPr lang="en-US" sz="2400" dirty="0" err="1">
+                <a:latin typeface="Times New Roman" panose="02020603050405020304" pitchFamily="18" charset="0"/>
+                <a:cs typeface="Times New Roman" panose="02020603050405020304" pitchFamily="18" charset="0"/>
+              </a:rPr>
+              <a:t>Github</a:t>
+            </a:r>
+            <a:r>
+              <a:rPr lang="en-US" sz="2400" dirty="0">
+                <a:latin typeface="Times New Roman" panose="02020603050405020304" pitchFamily="18" charset="0"/>
+                <a:cs typeface="Times New Roman" panose="02020603050405020304" pitchFamily="18" charset="0"/>
+              </a:rPr>
+              <a:t> link : https://github.com/mukailaalhshituabr-cyber/Final_project_web.git</a:t>
+            </a:r>
+            <a:br>
+              <a:rPr lang="en-US" sz="2800" dirty="0">
+                <a:latin typeface="Times New Roman" panose="02020603050405020304" pitchFamily="18" charset="0"/>
+                <a:cs typeface="Times New Roman" panose="02020603050405020304" pitchFamily="18" charset="0"/>
+              </a:rPr>
+            </a:br>
+            <a:br>
+              <a:rPr lang="en-US" sz="2800" dirty="0">
+                <a:latin typeface="Times New Roman" panose="02020603050405020304" pitchFamily="18" charset="0"/>
+                <a:cs typeface="Times New Roman" panose="02020603050405020304" pitchFamily="18" charset="0"/>
+              </a:rPr>
+            </a:br>
+            <a:r>
+              <a:rPr lang="en-US" sz="2800" dirty="0">
+                <a:latin typeface="Times New Roman" panose="02020603050405020304" pitchFamily="18" charset="0"/>
+                <a:cs typeface="Times New Roman" panose="02020603050405020304" pitchFamily="18" charset="0"/>
+              </a:rPr>
+              <a:t>App Live like:  </a:t>
+            </a:r>
+            <a:r>
+              <a:rPr lang="en-US" sz="2400" dirty="0">
+                <a:latin typeface="Times New Roman" panose="02020603050405020304" pitchFamily="18" charset="0"/>
+                <a:cs typeface="Times New Roman" panose="02020603050405020304" pitchFamily="18" charset="0"/>
+              </a:rPr>
+              <a:t>http://169.239.251.102:341/~mukaila.shittu/Final_project_web</a:t>
+            </a:r>
+            <a:br>
+              <a:rPr lang="en-US" sz="2400" dirty="0">
+                <a:latin typeface="Times New Roman" panose="02020603050405020304" pitchFamily="18" charset="0"/>
+                <a:cs typeface="Times New Roman" panose="02020603050405020304" pitchFamily="18" charset="0"/>
+              </a:rPr>
+            </a:br>
+            <a:endParaRPr lang="en-US" sz="3600" dirty="0">
+              <a:latin typeface="Times New Roman" panose="02020603050405020304" pitchFamily="18" charset="0"/>
+              <a:cs typeface="Times New Roman" panose="02020603050405020304" pitchFamily="18" charset="0"/>
+            </a:endParaRPr>
+          </a:p>
+        </p:txBody>
+      </p:sp>
+    </p:spTree>
+    <p:extLst>
+      <p:ext uri="{BB962C8B-B14F-4D97-AF65-F5344CB8AC3E}">
+        <p14:creationId xmlns:p14="http://schemas.microsoft.com/office/powerpoint/2010/main" val="940299839"/>
       </p:ext>
     </p:extLst>
   </p:cSld>
